--- a/final_slides.pptx
+++ b/final_slides.pptx
@@ -114,6 +114,11 @@
       </a:defRPr>
     </a:lvl9pPr>
   </p:defaultTextStyle>
+  <p:extLst>
+    <p:ext uri="{EFAFB233-063F-42B5-8137-9DF3F51BA10A}">
+      <p15:sldGuideLst xmlns:p15="http://schemas.microsoft.com/office/powerpoint/2012/main"/>
+    </p:ext>
+  </p:extLst>
 </p:presentation>
 </file>
 
@@ -266,7 +271,7 @@
           <a:p>
             <a:fld id="{ECE1CBCB-8827-45B6-A7EE-ECBF9693F8D8}" type="datetimeFigureOut">
               <a:rPr lang="en-PH" smtClean="0"/>
-              <a:t>3 Dec 2024</a:t>
+              <a:t>04/12/2024</a:t>
             </a:fld>
             <a:endParaRPr lang="en-PH"/>
           </a:p>
@@ -466,7 +471,7 @@
           <a:p>
             <a:fld id="{ECE1CBCB-8827-45B6-A7EE-ECBF9693F8D8}" type="datetimeFigureOut">
               <a:rPr lang="en-PH" smtClean="0"/>
-              <a:t>3 Dec 2024</a:t>
+              <a:t>04/12/2024</a:t>
             </a:fld>
             <a:endParaRPr lang="en-PH"/>
           </a:p>
@@ -676,7 +681,7 @@
           <a:p>
             <a:fld id="{ECE1CBCB-8827-45B6-A7EE-ECBF9693F8D8}" type="datetimeFigureOut">
               <a:rPr lang="en-PH" smtClean="0"/>
-              <a:t>3 Dec 2024</a:t>
+              <a:t>04/12/2024</a:t>
             </a:fld>
             <a:endParaRPr lang="en-PH"/>
           </a:p>
@@ -876,7 +881,7 @@
           <a:p>
             <a:fld id="{ECE1CBCB-8827-45B6-A7EE-ECBF9693F8D8}" type="datetimeFigureOut">
               <a:rPr lang="en-PH" smtClean="0"/>
-              <a:t>3 Dec 2024</a:t>
+              <a:t>04/12/2024</a:t>
             </a:fld>
             <a:endParaRPr lang="en-PH"/>
           </a:p>
@@ -1152,7 +1157,7 @@
           <a:p>
             <a:fld id="{ECE1CBCB-8827-45B6-A7EE-ECBF9693F8D8}" type="datetimeFigureOut">
               <a:rPr lang="en-PH" smtClean="0"/>
-              <a:t>3 Dec 2024</a:t>
+              <a:t>04/12/2024</a:t>
             </a:fld>
             <a:endParaRPr lang="en-PH"/>
           </a:p>
@@ -1420,7 +1425,7 @@
           <a:p>
             <a:fld id="{ECE1CBCB-8827-45B6-A7EE-ECBF9693F8D8}" type="datetimeFigureOut">
               <a:rPr lang="en-PH" smtClean="0"/>
-              <a:t>3 Dec 2024</a:t>
+              <a:t>04/12/2024</a:t>
             </a:fld>
             <a:endParaRPr lang="en-PH"/>
           </a:p>
@@ -1835,7 +1840,7 @@
           <a:p>
             <a:fld id="{ECE1CBCB-8827-45B6-A7EE-ECBF9693F8D8}" type="datetimeFigureOut">
               <a:rPr lang="en-PH" smtClean="0"/>
-              <a:t>3 Dec 2024</a:t>
+              <a:t>04/12/2024</a:t>
             </a:fld>
             <a:endParaRPr lang="en-PH"/>
           </a:p>
@@ -1977,7 +1982,7 @@
           <a:p>
             <a:fld id="{ECE1CBCB-8827-45B6-A7EE-ECBF9693F8D8}" type="datetimeFigureOut">
               <a:rPr lang="en-PH" smtClean="0"/>
-              <a:t>3 Dec 2024</a:t>
+              <a:t>04/12/2024</a:t>
             </a:fld>
             <a:endParaRPr lang="en-PH"/>
           </a:p>
@@ -2090,7 +2095,7 @@
           <a:p>
             <a:fld id="{ECE1CBCB-8827-45B6-A7EE-ECBF9693F8D8}" type="datetimeFigureOut">
               <a:rPr lang="en-PH" smtClean="0"/>
-              <a:t>3 Dec 2024</a:t>
+              <a:t>04/12/2024</a:t>
             </a:fld>
             <a:endParaRPr lang="en-PH"/>
           </a:p>
@@ -2403,7 +2408,7 @@
           <a:p>
             <a:fld id="{ECE1CBCB-8827-45B6-A7EE-ECBF9693F8D8}" type="datetimeFigureOut">
               <a:rPr lang="en-PH" smtClean="0"/>
-              <a:t>3 Dec 2024</a:t>
+              <a:t>04/12/2024</a:t>
             </a:fld>
             <a:endParaRPr lang="en-PH"/>
           </a:p>
@@ -2692,7 +2697,7 @@
           <a:p>
             <a:fld id="{ECE1CBCB-8827-45B6-A7EE-ECBF9693F8D8}" type="datetimeFigureOut">
               <a:rPr lang="en-PH" smtClean="0"/>
-              <a:t>3 Dec 2024</a:t>
+              <a:t>04/12/2024</a:t>
             </a:fld>
             <a:endParaRPr lang="en-PH"/>
           </a:p>
@@ -2935,7 +2940,7 @@
           <a:p>
             <a:fld id="{ECE1CBCB-8827-45B6-A7EE-ECBF9693F8D8}" type="datetimeFigureOut">
               <a:rPr lang="en-PH" smtClean="0"/>
-              <a:t>3 Dec 2024</a:t>
+              <a:t>04/12/2024</a:t>
             </a:fld>
             <a:endParaRPr lang="en-PH"/>
           </a:p>
@@ -3587,7 +3592,7 @@
       </p:sp>
       <p:pic>
         <p:nvPicPr>
-          <p:cNvPr id="8" name="Content Placeholder 7" descr="A graph with a red line and blue dots&#10;&#10;Description automatically generated">
+          <p:cNvPr id="8" name="Content Placeholder 7">
             <a:extLst>
               <a:ext uri="{FF2B5EF4-FFF2-40B4-BE49-F238E27FC236}">
                 <a16:creationId xmlns:a16="http://schemas.microsoft.com/office/drawing/2014/main" id="{23844B93-2E74-F831-8F57-6317794F598D}"/>
@@ -3609,14 +3614,13 @@
               </a:ext>
             </a:extLst>
           </a:blip>
-          <a:stretch>
-            <a:fillRect/>
-          </a:stretch>
+          <a:srcRect/>
+          <a:stretch/>
         </p:blipFill>
         <p:spPr>
           <a:xfrm>
             <a:off x="5871991" y="987425"/>
-            <a:ext cx="4794593" cy="4873625"/>
+            <a:ext cx="5480221" cy="4873625"/>
           </a:xfrm>
         </p:spPr>
       </p:pic>
@@ -4481,7 +4485,7 @@
       </p:sp>
       <p:pic>
         <p:nvPicPr>
-          <p:cNvPr id="9" name="Content Placeholder 8" descr="A graph of different colored bars&#10;&#10;Description automatically generated">
+          <p:cNvPr id="9" name="Content Placeholder 8">
             <a:extLst>
               <a:ext uri="{FF2B5EF4-FFF2-40B4-BE49-F238E27FC236}">
                 <a16:creationId xmlns:a16="http://schemas.microsoft.com/office/drawing/2014/main" id="{CD2E1384-34CD-A84A-D8B0-C9B0AE69B632}"/>
@@ -4503,9 +4507,8 @@
               </a:ext>
             </a:extLst>
           </a:blip>
-          <a:stretch>
-            <a:fillRect/>
-          </a:stretch>
+          <a:srcRect/>
+          <a:stretch/>
         </p:blipFill>
         <p:spPr>
           <a:xfrm>
@@ -4745,7 +4748,7 @@
       </p:sp>
       <p:pic>
         <p:nvPicPr>
-          <p:cNvPr id="6" name="Content Placeholder 5" descr="A graph of different colored lines&#10;&#10;Description automatically generated">
+          <p:cNvPr id="6" name="Content Placeholder 5">
             <a:extLst>
               <a:ext uri="{FF2B5EF4-FFF2-40B4-BE49-F238E27FC236}">
                 <a16:creationId xmlns:a16="http://schemas.microsoft.com/office/drawing/2014/main" id="{53661385-8844-248E-CF15-D66CC30EC961}"/>
@@ -4767,9 +4770,8 @@
               </a:ext>
             </a:extLst>
           </a:blip>
-          <a:stretch>
-            <a:fillRect/>
-          </a:stretch>
+          <a:srcRect/>
+          <a:stretch/>
         </p:blipFill>
         <p:spPr>
           <a:xfrm>

--- a/final_slides.pptx
+++ b/final_slides.pptx
@@ -3979,6 +3979,49 @@
           </a:xfrm>
         </p:spPr>
       </p:pic>
+      <p:sp>
+        <p:nvSpPr>
+          <p:cNvPr id="4" name="TextBox 3">
+            <a:extLst>
+              <a:ext uri="{FF2B5EF4-FFF2-40B4-BE49-F238E27FC236}">
+                <a16:creationId xmlns:a16="http://schemas.microsoft.com/office/drawing/2014/main" id="{BE4B5DE9-C95D-716E-6263-6F8AD0908154}"/>
+              </a:ext>
+            </a:extLst>
+          </p:cNvPr>
+          <p:cNvSpPr txBox="1"/>
+          <p:nvPr/>
+        </p:nvSpPr>
+        <p:spPr>
+          <a:xfrm>
+            <a:off x="7905750" y="6531146"/>
+            <a:ext cx="4286250" cy="290913"/>
+          </a:xfrm>
+          <a:prstGeom prst="rect">
+            <a:avLst/>
+          </a:prstGeom>
+          <a:noFill/>
+        </p:spPr>
+        <p:txBody>
+          <a:bodyPr wrap="square">
+            <a:spAutoFit/>
+          </a:bodyPr>
+          <a:lstStyle/>
+          <a:p>
+            <a:pPr>
+              <a:lnSpc>
+                <a:spcPts val="1425"/>
+              </a:lnSpc>
+            </a:pPr>
+            <a:r>
+              <a:rPr lang="en-US" altLang="ja-JP" b="0" dirty="0">
+                <a:effectLst/>
+                <a:latin typeface="+mj-lt"/>
+              </a:rPr>
+              <a:t>image from https://epi.yale.edu/about-epi</a:t>
+            </a:r>
+          </a:p>
+        </p:txBody>
+      </p:sp>
     </p:spTree>
     <p:extLst>
       <p:ext uri="{BB962C8B-B14F-4D97-AF65-F5344CB8AC3E}">

--- a/final_slides.pptx
+++ b/final_slides.pptx
@@ -11,11 +11,10 @@
     <p:sldId id="259" r:id="rId5"/>
     <p:sldId id="260" r:id="rId6"/>
     <p:sldId id="261" r:id="rId7"/>
-    <p:sldId id="262" r:id="rId8"/>
-    <p:sldId id="263" r:id="rId9"/>
-    <p:sldId id="264" r:id="rId10"/>
-    <p:sldId id="265" r:id="rId11"/>
-    <p:sldId id="267" r:id="rId12"/>
+    <p:sldId id="263" r:id="rId8"/>
+    <p:sldId id="264" r:id="rId9"/>
+    <p:sldId id="265" r:id="rId10"/>
+    <p:sldId id="267" r:id="rId11"/>
   </p:sldIdLst>
   <p:sldSz cx="12192000" cy="6858000"/>
   <p:notesSz cx="6858000" cy="9144000"/>
@@ -3482,194 +3481,6 @@
             <p:ph type="title"/>
           </p:nvPr>
         </p:nvSpPr>
-        <p:spPr>
-          <a:xfrm>
-            <a:off x="839787" y="457200"/>
-            <a:ext cx="4362833" cy="1008345"/>
-          </a:xfrm>
-        </p:spPr>
-        <p:txBody>
-          <a:bodyPr>
-            <a:noAutofit/>
-          </a:bodyPr>
-          <a:lstStyle/>
-          <a:p>
-            <a:r>
-              <a:rPr lang="en-US" dirty="0"/>
-              <a:t>Finding:</a:t>
-            </a:r>
-            <a:br>
-              <a:rPr lang="en-US" dirty="0"/>
-            </a:br>
-            <a:r>
-              <a:rPr lang="en-US" dirty="0"/>
-              <a:t>Weak to negative relation</a:t>
-            </a:r>
-            <a:endParaRPr lang="en-PH" dirty="0"/>
-          </a:p>
-        </p:txBody>
-      </p:sp>
-      <p:sp>
-        <p:nvSpPr>
-          <p:cNvPr id="7" name="Text Placeholder 6">
-            <a:extLst>
-              <a:ext uri="{FF2B5EF4-FFF2-40B4-BE49-F238E27FC236}">
-                <a16:creationId xmlns:a16="http://schemas.microsoft.com/office/drawing/2014/main" id="{C131F942-3D75-8C5F-84F5-0A6337F1633B}"/>
-              </a:ext>
-            </a:extLst>
-          </p:cNvPr>
-          <p:cNvSpPr>
-            <a:spLocks noGrp="1"/>
-          </p:cNvSpPr>
-          <p:nvPr>
-            <p:ph type="body" sz="half" idx="2"/>
-          </p:nvPr>
-        </p:nvSpPr>
-        <p:spPr/>
-        <p:txBody>
-          <a:bodyPr>
-            <a:normAutofit fontScale="92500" lnSpcReduction="10000"/>
-          </a:bodyPr>
-          <a:lstStyle/>
-          <a:p>
-            <a:pPr marL="457200" indent="-457200">
-              <a:buFont typeface="Arial" panose="020B0604020202020204" pitchFamily="34" charset="0"/>
-              <a:buChar char="•"/>
-            </a:pPr>
-            <a:r>
-              <a:rPr lang="en-US" sz="2800" dirty="0"/>
-              <a:t>Example: South Korea</a:t>
-            </a:r>
-          </a:p>
-          <a:p>
-            <a:pPr marL="457200" indent="-457200">
-              <a:buFont typeface="Arial" panose="020B0604020202020204" pitchFamily="34" charset="0"/>
-              <a:buChar char="•"/>
-            </a:pPr>
-            <a:r>
-              <a:rPr lang="en-US" sz="2800" dirty="0"/>
-              <a:t>Linear regression on time series data to draw trend lines</a:t>
-            </a:r>
-          </a:p>
-          <a:p>
-            <a:pPr marL="457200" indent="-457200">
-              <a:buFont typeface="Arial" panose="020B0604020202020204" pitchFamily="34" charset="0"/>
-              <a:buChar char="•"/>
-            </a:pPr>
-            <a:r>
-              <a:rPr lang="en-US" sz="2800" dirty="0"/>
-              <a:t>Normalized data for more meaningful comparison</a:t>
-            </a:r>
-          </a:p>
-          <a:p>
-            <a:pPr marL="914400" lvl="1" indent="-457200">
-              <a:buFont typeface="Arial" panose="020B0604020202020204" pitchFamily="34" charset="0"/>
-              <a:buChar char="•"/>
-            </a:pPr>
-            <a:r>
-              <a:rPr lang="en-US" sz="2400" dirty="0"/>
-              <a:t>Bonds are expressed in USD millions</a:t>
-            </a:r>
-          </a:p>
-          <a:p>
-            <a:pPr marL="914400" lvl="1" indent="-457200">
-              <a:buFont typeface="Arial" panose="020B0604020202020204" pitchFamily="34" charset="0"/>
-              <a:buChar char="•"/>
-            </a:pPr>
-            <a:r>
-              <a:rPr lang="en-US" sz="2400" dirty="0"/>
-              <a:t>EPI scores are 0 to 100</a:t>
-            </a:r>
-          </a:p>
-          <a:p>
-            <a:pPr marL="457200" indent="-457200">
-              <a:buFont typeface="Arial" panose="020B0604020202020204" pitchFamily="34" charset="0"/>
-              <a:buChar char="•"/>
-            </a:pPr>
-            <a:endParaRPr lang="en-PH" sz="2600" dirty="0"/>
-          </a:p>
-        </p:txBody>
-      </p:sp>
-      <p:pic>
-        <p:nvPicPr>
-          <p:cNvPr id="8" name="Content Placeholder 7">
-            <a:extLst>
-              <a:ext uri="{FF2B5EF4-FFF2-40B4-BE49-F238E27FC236}">
-                <a16:creationId xmlns:a16="http://schemas.microsoft.com/office/drawing/2014/main" id="{23844B93-2E74-F831-8F57-6317794F598D}"/>
-              </a:ext>
-            </a:extLst>
-          </p:cNvPr>
-          <p:cNvPicPr>
-            <a:picLocks noGrp="1" noChangeAspect="1"/>
-          </p:cNvPicPr>
-          <p:nvPr>
-            <p:ph idx="1"/>
-          </p:nvPr>
-        </p:nvPicPr>
-        <p:blipFill>
-          <a:blip r:embed="rId2">
-            <a:extLst>
-              <a:ext uri="{28A0092B-C50C-407E-A947-70E740481C1C}">
-                <a14:useLocalDpi xmlns:a14="http://schemas.microsoft.com/office/drawing/2010/main" val="0"/>
-              </a:ext>
-            </a:extLst>
-          </a:blip>
-          <a:srcRect/>
-          <a:stretch/>
-        </p:blipFill>
-        <p:spPr>
-          <a:xfrm>
-            <a:off x="5871991" y="987425"/>
-            <a:ext cx="5480221" cy="4873625"/>
-          </a:xfrm>
-        </p:spPr>
-      </p:pic>
-    </p:spTree>
-    <p:extLst>
-      <p:ext uri="{BB962C8B-B14F-4D97-AF65-F5344CB8AC3E}">
-        <p14:creationId xmlns:p14="http://schemas.microsoft.com/office/powerpoint/2010/main" val="812922637"/>
-      </p:ext>
-    </p:extLst>
-  </p:cSld>
-  <p:clrMapOvr>
-    <a:masterClrMapping/>
-  </p:clrMapOvr>
-</p:sld>
-</file>
-
-<file path=ppt/slides/slide11.xml><?xml version="1.0" encoding="utf-8"?>
-<p:sld xmlns:a="http://schemas.openxmlformats.org/drawingml/2006/main" xmlns:r="http://schemas.openxmlformats.org/officeDocument/2006/relationships" xmlns:p="http://schemas.openxmlformats.org/presentationml/2006/main">
-  <p:cSld>
-    <p:spTree>
-      <p:nvGrpSpPr>
-        <p:cNvPr id="1" name=""/>
-        <p:cNvGrpSpPr/>
-        <p:nvPr/>
-      </p:nvGrpSpPr>
-      <p:grpSpPr>
-        <a:xfrm>
-          <a:off x="0" y="0"/>
-          <a:ext cx="0" cy="0"/>
-          <a:chOff x="0" y="0"/>
-          <a:chExt cx="0" cy="0"/>
-        </a:xfrm>
-      </p:grpSpPr>
-      <p:sp>
-        <p:nvSpPr>
-          <p:cNvPr id="2" name="Title 1">
-            <a:extLst>
-              <a:ext uri="{FF2B5EF4-FFF2-40B4-BE49-F238E27FC236}">
-                <a16:creationId xmlns:a16="http://schemas.microsoft.com/office/drawing/2014/main" id="{4ED03F18-4871-D538-D9B4-4D511E630971}"/>
-              </a:ext>
-            </a:extLst>
-          </p:cNvPr>
-          <p:cNvSpPr>
-            <a:spLocks noGrp="1"/>
-          </p:cNvSpPr>
-          <p:nvPr>
-            <p:ph type="title"/>
-          </p:nvPr>
-        </p:nvSpPr>
         <p:spPr/>
         <p:txBody>
           <a:bodyPr>
@@ -4392,7 +4203,12 @@
             <p:ph type="title"/>
           </p:nvPr>
         </p:nvSpPr>
-        <p:spPr/>
+        <p:spPr>
+          <a:xfrm>
+            <a:off x="839788" y="457200"/>
+            <a:ext cx="4205178" cy="1008345"/>
+          </a:xfrm>
+        </p:spPr>
         <p:txBody>
           <a:bodyPr>
             <a:normAutofit/>
@@ -4401,62 +4217,142 @@
           <a:p>
             <a:r>
               <a:rPr lang="en-US" dirty="0"/>
-              <a:t>Dataset 2: EPI</a:t>
+              <a:t>Finding:</a:t>
+            </a:r>
+            <a:br>
+              <a:rPr lang="en-US" dirty="0"/>
+            </a:br>
+            <a:r>
+              <a:rPr lang="en-US" dirty="0"/>
+              <a:t>Rising issuance volume</a:t>
             </a:r>
             <a:endParaRPr lang="en-PH" dirty="0"/>
           </a:p>
         </p:txBody>
       </p:sp>
-      <p:sp>
-        <p:nvSpPr>
-          <p:cNvPr id="4" name="Content Placeholder 3">
-            <a:extLst>
-              <a:ext uri="{FF2B5EF4-FFF2-40B4-BE49-F238E27FC236}">
-                <a16:creationId xmlns:a16="http://schemas.microsoft.com/office/drawing/2014/main" id="{CF56AAC8-AACF-99EA-D59E-8C002B00E64F}"/>
-              </a:ext>
-            </a:extLst>
-          </p:cNvPr>
-          <p:cNvSpPr>
-            <a:spLocks noGrp="1"/>
-          </p:cNvSpPr>
+      <p:pic>
+        <p:nvPicPr>
+          <p:cNvPr id="9" name="Content Placeholder 8">
+            <a:extLst>
+              <a:ext uri="{FF2B5EF4-FFF2-40B4-BE49-F238E27FC236}">
+                <a16:creationId xmlns:a16="http://schemas.microsoft.com/office/drawing/2014/main" id="{CD2E1384-34CD-A84A-D8B0-C9B0AE69B632}"/>
+              </a:ext>
+            </a:extLst>
+          </p:cNvPr>
+          <p:cNvPicPr>
+            <a:picLocks noGrp="1" noChangeAspect="1"/>
+          </p:cNvPicPr>
           <p:nvPr>
             <p:ph idx="1"/>
           </p:nvPr>
-        </p:nvSpPr>
-        <p:spPr/>
-        <p:txBody>
-          <a:bodyPr/>
-          <a:lstStyle/>
-          <a:p>
-            <a:r>
-              <a:rPr lang="en-US" dirty="0"/>
-              <a:t>Aggregated into a score</a:t>
-            </a:r>
-          </a:p>
-          <a:p>
-            <a:r>
-              <a:rPr lang="en-US" dirty="0"/>
-              <a:t>Comprehensively covers a wide range of environmental issues, not just a single or limited issues</a:t>
-            </a:r>
-          </a:p>
-          <a:p>
-            <a:r>
-              <a:rPr lang="en-US" dirty="0"/>
-              <a:t>Though this analysis is focused on ASEAN+3, dataset contains global information which can be useful especially when comparing against world standards</a:t>
-            </a:r>
-          </a:p>
-          <a:p>
-            <a:r>
-              <a:rPr lang="en-US" dirty="0"/>
-              <a:t>Two-year time horizon which does not directly match Bond data</a:t>
-            </a:r>
+        </p:nvPicPr>
+        <p:blipFill>
+          <a:blip r:embed="rId2">
+            <a:extLst>
+              <a:ext uri="{28A0092B-C50C-407E-A947-70E740481C1C}">
+                <a14:useLocalDpi xmlns:a14="http://schemas.microsoft.com/office/drawing/2010/main" val="0"/>
+              </a:ext>
+            </a:extLst>
+          </a:blip>
+          <a:srcRect/>
+          <a:stretch/>
+        </p:blipFill>
+        <p:spPr>
+          <a:xfrm>
+            <a:off x="5410385" y="987425"/>
+            <a:ext cx="5717806" cy="4873625"/>
+          </a:xfrm>
+        </p:spPr>
+      </p:pic>
+      <p:sp>
+        <p:nvSpPr>
+          <p:cNvPr id="7" name="Text Placeholder 6">
+            <a:extLst>
+              <a:ext uri="{FF2B5EF4-FFF2-40B4-BE49-F238E27FC236}">
+                <a16:creationId xmlns:a16="http://schemas.microsoft.com/office/drawing/2014/main" id="{C131F942-3D75-8C5F-84F5-0A6337F1633B}"/>
+              </a:ext>
+            </a:extLst>
+          </p:cNvPr>
+          <p:cNvSpPr>
+            <a:spLocks noGrp="1"/>
+          </p:cNvSpPr>
+          <p:nvPr>
+            <p:ph type="body" sz="half" idx="2"/>
+          </p:nvPr>
+        </p:nvSpPr>
+        <p:spPr/>
+        <p:txBody>
+          <a:bodyPr>
+            <a:normAutofit fontScale="92500" lnSpcReduction="10000"/>
+          </a:bodyPr>
+          <a:lstStyle/>
+          <a:p>
+            <a:pPr marL="457200" indent="-457200">
+              <a:buFont typeface="Arial" panose="020B0604020202020204" pitchFamily="34" charset="0"/>
+              <a:buChar char="•"/>
+            </a:pPr>
+            <a:r>
+              <a:rPr lang="en-US" sz="2800" dirty="0"/>
+              <a:t>Upward trending (in nominal terms)</a:t>
+            </a:r>
+          </a:p>
+          <a:p>
+            <a:pPr marL="457200" indent="-457200">
+              <a:buFont typeface="Arial" panose="020B0604020202020204" pitchFamily="34" charset="0"/>
+              <a:buChar char="•"/>
+            </a:pPr>
+            <a:r>
+              <a:rPr lang="en-US" sz="2800" dirty="0"/>
+              <a:t>Possible reasons:</a:t>
+            </a:r>
+          </a:p>
+          <a:p>
+            <a:pPr marL="914400" lvl="1" indent="-457200">
+              <a:buFont typeface="Arial" panose="020B0604020202020204" pitchFamily="34" charset="0"/>
+              <a:buChar char="•"/>
+            </a:pPr>
+            <a:r>
+              <a:rPr lang="en-US" sz="2600" dirty="0"/>
+              <a:t>Paris commitments</a:t>
+            </a:r>
+          </a:p>
+          <a:p>
+            <a:pPr marL="914400" lvl="1" indent="-457200">
+              <a:buFont typeface="Arial" panose="020B0604020202020204" pitchFamily="34" charset="0"/>
+              <a:buChar char="•"/>
+            </a:pPr>
+            <a:r>
+              <a:rPr lang="en-US" sz="2600" dirty="0"/>
+              <a:t>Energy crisis due to geopolitical conflicts</a:t>
+            </a:r>
+          </a:p>
+          <a:p>
+            <a:pPr marL="914400" lvl="1" indent="-457200">
+              <a:buFont typeface="Arial" panose="020B0604020202020204" pitchFamily="34" charset="0"/>
+              <a:buChar char="•"/>
+            </a:pPr>
+            <a:r>
+              <a:rPr lang="en-US" sz="2600" dirty="0"/>
+              <a:t>Growth of ESG market segment</a:t>
+            </a:r>
+          </a:p>
+          <a:p>
+            <a:pPr marL="914400" lvl="1" indent="-457200">
+              <a:buFont typeface="Arial" panose="020B0604020202020204" pitchFamily="34" charset="0"/>
+              <a:buChar char="•"/>
+            </a:pPr>
+            <a:r>
+              <a:rPr lang="en-US" sz="2600" dirty="0"/>
+              <a:t>More generally, higher deficits due to the pandemic</a:t>
+            </a:r>
+            <a:endParaRPr lang="en-PH" sz="2600" dirty="0"/>
           </a:p>
         </p:txBody>
       </p:sp>
     </p:spTree>
     <p:extLst>
       <p:ext uri="{BB962C8B-B14F-4D97-AF65-F5344CB8AC3E}">
-        <p14:creationId xmlns:p14="http://schemas.microsoft.com/office/powerpoint/2010/main" val="3785256049"/>
+        <p14:creationId xmlns:p14="http://schemas.microsoft.com/office/powerpoint/2010/main" val="2629316268"/>
       </p:ext>
     </p:extLst>
   </p:cSld>
@@ -4520,18 +4416,89 @@
             </a:br>
             <a:r>
               <a:rPr lang="en-US" dirty="0"/>
-              <a:t>Rising issuance volume</a:t>
+              <a:t>Global downtrend in EPI</a:t>
             </a:r>
             <a:endParaRPr lang="en-PH" dirty="0"/>
+          </a:p>
+        </p:txBody>
+      </p:sp>
+      <p:sp>
+        <p:nvSpPr>
+          <p:cNvPr id="7" name="Text Placeholder 6">
+            <a:extLst>
+              <a:ext uri="{FF2B5EF4-FFF2-40B4-BE49-F238E27FC236}">
+                <a16:creationId xmlns:a16="http://schemas.microsoft.com/office/drawing/2014/main" id="{C131F942-3D75-8C5F-84F5-0A6337F1633B}"/>
+              </a:ext>
+            </a:extLst>
+          </p:cNvPr>
+          <p:cNvSpPr>
+            <a:spLocks noGrp="1"/>
+          </p:cNvSpPr>
+          <p:nvPr>
+            <p:ph type="body" sz="half" idx="2"/>
+          </p:nvPr>
+        </p:nvSpPr>
+        <p:spPr/>
+        <p:txBody>
+          <a:bodyPr>
+            <a:normAutofit fontScale="92500" lnSpcReduction="10000"/>
+          </a:bodyPr>
+          <a:lstStyle/>
+          <a:p>
+            <a:pPr marL="457200" indent="-457200">
+              <a:buFont typeface="Arial" panose="020B0604020202020204" pitchFamily="34" charset="0"/>
+              <a:buChar char="•"/>
+            </a:pPr>
+            <a:r>
+              <a:rPr lang="en-US" sz="2800" dirty="0"/>
+              <a:t>Regional (and global) drop in EPI scores</a:t>
+            </a:r>
+          </a:p>
+          <a:p>
+            <a:pPr marL="457200" indent="-457200">
+              <a:buFont typeface="Arial" panose="020B0604020202020204" pitchFamily="34" charset="0"/>
+              <a:buChar char="•"/>
+            </a:pPr>
+            <a:r>
+              <a:rPr lang="en-US" sz="2800" dirty="0"/>
+              <a:t>Possible reasons:</a:t>
+            </a:r>
+          </a:p>
+          <a:p>
+            <a:pPr marL="914400" lvl="1" indent="-457200">
+              <a:buFont typeface="Arial" panose="020B0604020202020204" pitchFamily="34" charset="0"/>
+              <a:buChar char="•"/>
+            </a:pPr>
+            <a:r>
+              <a:rPr lang="en-US" sz="2600" dirty="0"/>
+              <a:t>Higher standards for performance</a:t>
+            </a:r>
+          </a:p>
+          <a:p>
+            <a:pPr marL="914400" lvl="1" indent="-457200">
+              <a:buFont typeface="Arial" panose="020B0604020202020204" pitchFamily="34" charset="0"/>
+              <a:buChar char="•"/>
+            </a:pPr>
+            <a:r>
+              <a:rPr lang="en-US" sz="2600" dirty="0"/>
+              <a:t>More developments focused on economic growth rather than environmental targets</a:t>
+            </a:r>
+          </a:p>
+          <a:p>
+            <a:pPr marL="457200" indent="-457200">
+              <a:buFont typeface="Arial" panose="020B0604020202020204" pitchFamily="34" charset="0"/>
+              <a:buChar char="•"/>
+            </a:pPr>
+            <a:endParaRPr lang="en-PH" sz="2600" dirty="0"/>
           </a:p>
         </p:txBody>
       </p:sp>
       <p:pic>
         <p:nvPicPr>
-          <p:cNvPr id="9" name="Content Placeholder 8">
-            <a:extLst>
-              <a:ext uri="{FF2B5EF4-FFF2-40B4-BE49-F238E27FC236}">
-                <a16:creationId xmlns:a16="http://schemas.microsoft.com/office/drawing/2014/main" id="{CD2E1384-34CD-A84A-D8B0-C9B0AE69B632}"/>
+          <p:cNvPr id="6" name="Content Placeholder 5">
+            <a:extLst>
+              <a:ext uri="{FF2B5EF4-FFF2-40B4-BE49-F238E27FC236}">
+                <a16:creationId xmlns:a16="http://schemas.microsoft.com/office/drawing/2014/main" id="{53661385-8844-248E-CF15-D66CC30EC961}"/>
               </a:ext>
             </a:extLst>
           </p:cNvPr>
@@ -4555,100 +4522,15 @@
         </p:blipFill>
         <p:spPr>
           <a:xfrm>
-            <a:off x="5410385" y="987425"/>
-            <a:ext cx="5717806" cy="4873625"/>
+            <a:off x="5649715" y="987425"/>
+            <a:ext cx="5239146" cy="4873625"/>
           </a:xfrm>
         </p:spPr>
       </p:pic>
-      <p:sp>
-        <p:nvSpPr>
-          <p:cNvPr id="7" name="Text Placeholder 6">
-            <a:extLst>
-              <a:ext uri="{FF2B5EF4-FFF2-40B4-BE49-F238E27FC236}">
-                <a16:creationId xmlns:a16="http://schemas.microsoft.com/office/drawing/2014/main" id="{C131F942-3D75-8C5F-84F5-0A6337F1633B}"/>
-              </a:ext>
-            </a:extLst>
-          </p:cNvPr>
-          <p:cNvSpPr>
-            <a:spLocks noGrp="1"/>
-          </p:cNvSpPr>
-          <p:nvPr>
-            <p:ph type="body" sz="half" idx="2"/>
-          </p:nvPr>
-        </p:nvSpPr>
-        <p:spPr/>
-        <p:txBody>
-          <a:bodyPr>
-            <a:normAutofit fontScale="92500" lnSpcReduction="10000"/>
-          </a:bodyPr>
-          <a:lstStyle/>
-          <a:p>
-            <a:pPr marL="457200" indent="-457200">
-              <a:buFont typeface="Arial" panose="020B0604020202020204" pitchFamily="34" charset="0"/>
-              <a:buChar char="•"/>
-            </a:pPr>
-            <a:r>
-              <a:rPr lang="en-US" sz="2800" dirty="0"/>
-              <a:t>Upward trending (in nominal terms)</a:t>
-            </a:r>
-          </a:p>
-          <a:p>
-            <a:pPr marL="457200" indent="-457200">
-              <a:buFont typeface="Arial" panose="020B0604020202020204" pitchFamily="34" charset="0"/>
-              <a:buChar char="•"/>
-            </a:pPr>
-            <a:r>
-              <a:rPr lang="en-US" sz="2800" dirty="0"/>
-              <a:t>Possible reasons:</a:t>
-            </a:r>
-          </a:p>
-          <a:p>
-            <a:pPr marL="914400" lvl="1" indent="-457200">
-              <a:buFont typeface="Arial" panose="020B0604020202020204" pitchFamily="34" charset="0"/>
-              <a:buChar char="•"/>
-            </a:pPr>
-            <a:r>
-              <a:rPr lang="en-US" sz="2600" dirty="0"/>
-              <a:t>Paris commitments</a:t>
-            </a:r>
-          </a:p>
-          <a:p>
-            <a:pPr marL="914400" lvl="1" indent="-457200">
-              <a:buFont typeface="Arial" panose="020B0604020202020204" pitchFamily="34" charset="0"/>
-              <a:buChar char="•"/>
-            </a:pPr>
-            <a:r>
-              <a:rPr lang="en-US" sz="2600" dirty="0"/>
-              <a:t>Energy crisis due to geopolitical conflicts</a:t>
-            </a:r>
-          </a:p>
-          <a:p>
-            <a:pPr marL="914400" lvl="1" indent="-457200">
-              <a:buFont typeface="Arial" panose="020B0604020202020204" pitchFamily="34" charset="0"/>
-              <a:buChar char="•"/>
-            </a:pPr>
-            <a:r>
-              <a:rPr lang="en-US" sz="2600" dirty="0"/>
-              <a:t>Growth of ESG market segment</a:t>
-            </a:r>
-          </a:p>
-          <a:p>
-            <a:pPr marL="914400" lvl="1" indent="-457200">
-              <a:buFont typeface="Arial" panose="020B0604020202020204" pitchFamily="34" charset="0"/>
-              <a:buChar char="•"/>
-            </a:pPr>
-            <a:r>
-              <a:rPr lang="en-US" sz="2600" dirty="0"/>
-              <a:t>More generally, higher deficits due to the pandemic</a:t>
-            </a:r>
-            <a:endParaRPr lang="en-PH" sz="2600" dirty="0"/>
-          </a:p>
-        </p:txBody>
-      </p:sp>
     </p:spTree>
     <p:extLst>
       <p:ext uri="{BB962C8B-B14F-4D97-AF65-F5344CB8AC3E}">
-        <p14:creationId xmlns:p14="http://schemas.microsoft.com/office/powerpoint/2010/main" val="2629316268"/>
+        <p14:creationId xmlns:p14="http://schemas.microsoft.com/office/powerpoint/2010/main" val="933554825"/>
       </p:ext>
     </p:extLst>
   </p:cSld>
@@ -4693,13 +4575,13 @@
         </p:nvSpPr>
         <p:spPr>
           <a:xfrm>
-            <a:off x="839788" y="457200"/>
-            <a:ext cx="4205178" cy="1008345"/>
+            <a:off x="839787" y="457200"/>
+            <a:ext cx="4362833" cy="1008345"/>
           </a:xfrm>
         </p:spPr>
         <p:txBody>
           <a:bodyPr>
-            <a:normAutofit/>
+            <a:noAutofit/>
           </a:bodyPr>
           <a:lstStyle/>
           <a:p>
@@ -4712,7 +4594,7 @@
             </a:br>
             <a:r>
               <a:rPr lang="en-US" dirty="0"/>
-              <a:t>Global downtrend in EPI</a:t>
+              <a:t>Weak to negative relation</a:t>
             </a:r>
             <a:endParaRPr lang="en-PH" dirty="0"/>
           </a:p>
@@ -4747,7 +4629,7 @@
             </a:pPr>
             <a:r>
               <a:rPr lang="en-US" sz="2800" dirty="0"/>
-              <a:t>Regional (and global) drop in EPI scores</a:t>
+              <a:t>Example: South Korea</a:t>
             </a:r>
           </a:p>
           <a:p>
@@ -4757,7 +4639,17 @@
             </a:pPr>
             <a:r>
               <a:rPr lang="en-US" sz="2800" dirty="0"/>
-              <a:t>Possible reasons:</a:t>
+              <a:t>Linear regression on time series data to draw trend lines</a:t>
+            </a:r>
+          </a:p>
+          <a:p>
+            <a:pPr marL="457200" indent="-457200">
+              <a:buFont typeface="Arial" panose="020B0604020202020204" pitchFamily="34" charset="0"/>
+              <a:buChar char="•"/>
+            </a:pPr>
+            <a:r>
+              <a:rPr lang="en-US" sz="2800" dirty="0"/>
+              <a:t>Normalized data for more meaningful comparison</a:t>
             </a:r>
           </a:p>
           <a:p>
@@ -4766,8 +4658,8 @@
               <a:buChar char="•"/>
             </a:pPr>
             <a:r>
-              <a:rPr lang="en-US" sz="2600" dirty="0"/>
-              <a:t>Higher standards for performance</a:t>
+              <a:rPr lang="en-US" sz="2400" dirty="0"/>
+              <a:t>Bonds are expressed in USD millions</a:t>
             </a:r>
           </a:p>
           <a:p>
@@ -4776,8 +4668,8 @@
               <a:buChar char="•"/>
             </a:pPr>
             <a:r>
-              <a:rPr lang="en-US" sz="2600" dirty="0"/>
-              <a:t>More developments focused on economic growth rather than environmental targets</a:t>
+              <a:rPr lang="en-US" sz="2400" dirty="0"/>
+              <a:t>EPI scores are 0 to 100</a:t>
             </a:r>
           </a:p>
           <a:p>
@@ -4791,10 +4683,10 @@
       </p:sp>
       <p:pic>
         <p:nvPicPr>
-          <p:cNvPr id="6" name="Content Placeholder 5">
-            <a:extLst>
-              <a:ext uri="{FF2B5EF4-FFF2-40B4-BE49-F238E27FC236}">
-                <a16:creationId xmlns:a16="http://schemas.microsoft.com/office/drawing/2014/main" id="{53661385-8844-248E-CF15-D66CC30EC961}"/>
+          <p:cNvPr id="8" name="Content Placeholder 7">
+            <a:extLst>
+              <a:ext uri="{FF2B5EF4-FFF2-40B4-BE49-F238E27FC236}">
+                <a16:creationId xmlns:a16="http://schemas.microsoft.com/office/drawing/2014/main" id="{23844B93-2E74-F831-8F57-6317794F598D}"/>
               </a:ext>
             </a:extLst>
           </p:cNvPr>
@@ -4818,15 +4710,15 @@
         </p:blipFill>
         <p:spPr>
           <a:xfrm>
-            <a:off x="5649715" y="987425"/>
-            <a:ext cx="5239146" cy="4873625"/>
+            <a:off x="5871991" y="987425"/>
+            <a:ext cx="5480221" cy="4873625"/>
           </a:xfrm>
         </p:spPr>
       </p:pic>
     </p:spTree>
     <p:extLst>
       <p:ext uri="{BB962C8B-B14F-4D97-AF65-F5344CB8AC3E}">
-        <p14:creationId xmlns:p14="http://schemas.microsoft.com/office/powerpoint/2010/main" val="933554825"/>
+        <p14:creationId xmlns:p14="http://schemas.microsoft.com/office/powerpoint/2010/main" val="812922637"/>
       </p:ext>
     </p:extLst>
   </p:cSld>

--- a/final_slides.pptx
+++ b/final_slides.pptx
@@ -270,7 +270,7 @@
           <a:p>
             <a:fld id="{ECE1CBCB-8827-45B6-A7EE-ECBF9693F8D8}" type="datetimeFigureOut">
               <a:rPr lang="en-PH" smtClean="0"/>
-              <a:t>04/12/2024</a:t>
+              <a:t>4 Dec 2024</a:t>
             </a:fld>
             <a:endParaRPr lang="en-PH"/>
           </a:p>
@@ -470,7 +470,7 @@
           <a:p>
             <a:fld id="{ECE1CBCB-8827-45B6-A7EE-ECBF9693F8D8}" type="datetimeFigureOut">
               <a:rPr lang="en-PH" smtClean="0"/>
-              <a:t>04/12/2024</a:t>
+              <a:t>4 Dec 2024</a:t>
             </a:fld>
             <a:endParaRPr lang="en-PH"/>
           </a:p>
@@ -680,7 +680,7 @@
           <a:p>
             <a:fld id="{ECE1CBCB-8827-45B6-A7EE-ECBF9693F8D8}" type="datetimeFigureOut">
               <a:rPr lang="en-PH" smtClean="0"/>
-              <a:t>04/12/2024</a:t>
+              <a:t>4 Dec 2024</a:t>
             </a:fld>
             <a:endParaRPr lang="en-PH"/>
           </a:p>
@@ -880,7 +880,7 @@
           <a:p>
             <a:fld id="{ECE1CBCB-8827-45B6-A7EE-ECBF9693F8D8}" type="datetimeFigureOut">
               <a:rPr lang="en-PH" smtClean="0"/>
-              <a:t>04/12/2024</a:t>
+              <a:t>4 Dec 2024</a:t>
             </a:fld>
             <a:endParaRPr lang="en-PH"/>
           </a:p>
@@ -1156,7 +1156,7 @@
           <a:p>
             <a:fld id="{ECE1CBCB-8827-45B6-A7EE-ECBF9693F8D8}" type="datetimeFigureOut">
               <a:rPr lang="en-PH" smtClean="0"/>
-              <a:t>04/12/2024</a:t>
+              <a:t>4 Dec 2024</a:t>
             </a:fld>
             <a:endParaRPr lang="en-PH"/>
           </a:p>
@@ -1424,7 +1424,7 @@
           <a:p>
             <a:fld id="{ECE1CBCB-8827-45B6-A7EE-ECBF9693F8D8}" type="datetimeFigureOut">
               <a:rPr lang="en-PH" smtClean="0"/>
-              <a:t>04/12/2024</a:t>
+              <a:t>4 Dec 2024</a:t>
             </a:fld>
             <a:endParaRPr lang="en-PH"/>
           </a:p>
@@ -1839,7 +1839,7 @@
           <a:p>
             <a:fld id="{ECE1CBCB-8827-45B6-A7EE-ECBF9693F8D8}" type="datetimeFigureOut">
               <a:rPr lang="en-PH" smtClean="0"/>
-              <a:t>04/12/2024</a:t>
+              <a:t>4 Dec 2024</a:t>
             </a:fld>
             <a:endParaRPr lang="en-PH"/>
           </a:p>
@@ -1981,7 +1981,7 @@
           <a:p>
             <a:fld id="{ECE1CBCB-8827-45B6-A7EE-ECBF9693F8D8}" type="datetimeFigureOut">
               <a:rPr lang="en-PH" smtClean="0"/>
-              <a:t>04/12/2024</a:t>
+              <a:t>4 Dec 2024</a:t>
             </a:fld>
             <a:endParaRPr lang="en-PH"/>
           </a:p>
@@ -2094,7 +2094,7 @@
           <a:p>
             <a:fld id="{ECE1CBCB-8827-45B6-A7EE-ECBF9693F8D8}" type="datetimeFigureOut">
               <a:rPr lang="en-PH" smtClean="0"/>
-              <a:t>04/12/2024</a:t>
+              <a:t>4 Dec 2024</a:t>
             </a:fld>
             <a:endParaRPr lang="en-PH"/>
           </a:p>
@@ -2407,7 +2407,7 @@
           <a:p>
             <a:fld id="{ECE1CBCB-8827-45B6-A7EE-ECBF9693F8D8}" type="datetimeFigureOut">
               <a:rPr lang="en-PH" smtClean="0"/>
-              <a:t>04/12/2024</a:t>
+              <a:t>4 Dec 2024</a:t>
             </a:fld>
             <a:endParaRPr lang="en-PH"/>
           </a:p>
@@ -2696,7 +2696,7 @@
           <a:p>
             <a:fld id="{ECE1CBCB-8827-45B6-A7EE-ECBF9693F8D8}" type="datetimeFigureOut">
               <a:rPr lang="en-PH" smtClean="0"/>
-              <a:t>04/12/2024</a:t>
+              <a:t>4 Dec 2024</a:t>
             </a:fld>
             <a:endParaRPr lang="en-PH"/>
           </a:p>
@@ -2939,7 +2939,7 @@
           <a:p>
             <a:fld id="{ECE1CBCB-8827-45B6-A7EE-ECBF9693F8D8}" type="datetimeFigureOut">
               <a:rPr lang="en-PH" smtClean="0"/>
-              <a:t>04/12/2024</a:t>
+              <a:t>4 Dec 2024</a:t>
             </a:fld>
             <a:endParaRPr lang="en-PH"/>
           </a:p>

--- a/final_slides.pptx
+++ b/final_slides.pptx
@@ -270,7 +270,7 @@
           <a:p>
             <a:fld id="{ECE1CBCB-8827-45B6-A7EE-ECBF9693F8D8}" type="datetimeFigureOut">
               <a:rPr lang="en-PH" smtClean="0"/>
-              <a:t>4 Dec 2024</a:t>
+              <a:t>04/12/2024</a:t>
             </a:fld>
             <a:endParaRPr lang="en-PH"/>
           </a:p>
@@ -470,7 +470,7 @@
           <a:p>
             <a:fld id="{ECE1CBCB-8827-45B6-A7EE-ECBF9693F8D8}" type="datetimeFigureOut">
               <a:rPr lang="en-PH" smtClean="0"/>
-              <a:t>4 Dec 2024</a:t>
+              <a:t>04/12/2024</a:t>
             </a:fld>
             <a:endParaRPr lang="en-PH"/>
           </a:p>
@@ -680,7 +680,7 @@
           <a:p>
             <a:fld id="{ECE1CBCB-8827-45B6-A7EE-ECBF9693F8D8}" type="datetimeFigureOut">
               <a:rPr lang="en-PH" smtClean="0"/>
-              <a:t>4 Dec 2024</a:t>
+              <a:t>04/12/2024</a:t>
             </a:fld>
             <a:endParaRPr lang="en-PH"/>
           </a:p>
@@ -880,7 +880,7 @@
           <a:p>
             <a:fld id="{ECE1CBCB-8827-45B6-A7EE-ECBF9693F8D8}" type="datetimeFigureOut">
               <a:rPr lang="en-PH" smtClean="0"/>
-              <a:t>4 Dec 2024</a:t>
+              <a:t>04/12/2024</a:t>
             </a:fld>
             <a:endParaRPr lang="en-PH"/>
           </a:p>
@@ -1156,7 +1156,7 @@
           <a:p>
             <a:fld id="{ECE1CBCB-8827-45B6-A7EE-ECBF9693F8D8}" type="datetimeFigureOut">
               <a:rPr lang="en-PH" smtClean="0"/>
-              <a:t>4 Dec 2024</a:t>
+              <a:t>04/12/2024</a:t>
             </a:fld>
             <a:endParaRPr lang="en-PH"/>
           </a:p>
@@ -1424,7 +1424,7 @@
           <a:p>
             <a:fld id="{ECE1CBCB-8827-45B6-A7EE-ECBF9693F8D8}" type="datetimeFigureOut">
               <a:rPr lang="en-PH" smtClean="0"/>
-              <a:t>4 Dec 2024</a:t>
+              <a:t>04/12/2024</a:t>
             </a:fld>
             <a:endParaRPr lang="en-PH"/>
           </a:p>
@@ -1839,7 +1839,7 @@
           <a:p>
             <a:fld id="{ECE1CBCB-8827-45B6-A7EE-ECBF9693F8D8}" type="datetimeFigureOut">
               <a:rPr lang="en-PH" smtClean="0"/>
-              <a:t>4 Dec 2024</a:t>
+              <a:t>04/12/2024</a:t>
             </a:fld>
             <a:endParaRPr lang="en-PH"/>
           </a:p>
@@ -1981,7 +1981,7 @@
           <a:p>
             <a:fld id="{ECE1CBCB-8827-45B6-A7EE-ECBF9693F8D8}" type="datetimeFigureOut">
               <a:rPr lang="en-PH" smtClean="0"/>
-              <a:t>4 Dec 2024</a:t>
+              <a:t>04/12/2024</a:t>
             </a:fld>
             <a:endParaRPr lang="en-PH"/>
           </a:p>
@@ -2094,7 +2094,7 @@
           <a:p>
             <a:fld id="{ECE1CBCB-8827-45B6-A7EE-ECBF9693F8D8}" type="datetimeFigureOut">
               <a:rPr lang="en-PH" smtClean="0"/>
-              <a:t>4 Dec 2024</a:t>
+              <a:t>04/12/2024</a:t>
             </a:fld>
             <a:endParaRPr lang="en-PH"/>
           </a:p>
@@ -2407,7 +2407,7 @@
           <a:p>
             <a:fld id="{ECE1CBCB-8827-45B6-A7EE-ECBF9693F8D8}" type="datetimeFigureOut">
               <a:rPr lang="en-PH" smtClean="0"/>
-              <a:t>4 Dec 2024</a:t>
+              <a:t>04/12/2024</a:t>
             </a:fld>
             <a:endParaRPr lang="en-PH"/>
           </a:p>
@@ -2696,7 +2696,7 @@
           <a:p>
             <a:fld id="{ECE1CBCB-8827-45B6-A7EE-ECBF9693F8D8}" type="datetimeFigureOut">
               <a:rPr lang="en-PH" smtClean="0"/>
-              <a:t>4 Dec 2024</a:t>
+              <a:t>04/12/2024</a:t>
             </a:fld>
             <a:endParaRPr lang="en-PH"/>
           </a:p>
@@ -2939,7 +2939,7 @@
           <a:p>
             <a:fld id="{ECE1CBCB-8827-45B6-A7EE-ECBF9693F8D8}" type="datetimeFigureOut">
               <a:rPr lang="en-PH" smtClean="0"/>
-              <a:t>4 Dec 2024</a:t>
+              <a:t>04/12/2024</a:t>
             </a:fld>
             <a:endParaRPr lang="en-PH"/>
           </a:p>
